--- a/Docs/UrbanChina17/Communication/PRD_Agent_Based_Model_UCL.pptx
+++ b/Docs/UrbanChina17/Communication/PRD_Agent_Based_Model_UCL.pptx
@@ -5,7 +5,7 @@
     <p:sldMasterId id="2147483747" r:id="rId1"/>
   </p:sldMasterIdLst>
   <p:notesMasterIdLst>
-    <p:notesMasterId r:id="rId29"/>
+    <p:notesMasterId r:id="rId22"/>
   </p:notesMasterIdLst>
   <p:sldIdLst>
     <p:sldId id="256" r:id="rId2"/>
@@ -28,13 +28,6 @@
     <p:sldId id="273" r:id="rId19"/>
     <p:sldId id="274" r:id="rId20"/>
     <p:sldId id="275" r:id="rId21"/>
-    <p:sldId id="276" r:id="rId22"/>
-    <p:sldId id="277" r:id="rId23"/>
-    <p:sldId id="278" r:id="rId24"/>
-    <p:sldId id="279" r:id="rId25"/>
-    <p:sldId id="280" r:id="rId26"/>
-    <p:sldId id="281" r:id="rId27"/>
-    <p:sldId id="282" r:id="rId28"/>
   </p:sldIdLst>
   <p:sldSz cx="9144000" cy="6858000" type="screen4x3"/>
   <p:notesSz cx="6858000" cy="9144000"/>
@@ -381,7 +374,7 @@
             <a:fld id="{EEB5E41D-CE4C-4D44-BEA1-B9B8E80E5B7A}" type="slidenum">
               <a:rPr lang="it-IT" smtClean="0"/>
               <a:pPr/>
-              <a:t>‹n.›</a:t>
+              <a:t>‹#›</a:t>
             </a:fld>
             <a:endParaRPr lang="it-IT"/>
           </a:p>
@@ -3387,7 +3380,7 @@
       </p:grpSpPr>
       <p:sp>
         <p:nvSpPr>
-          <p:cNvPr id="2" name="Segnaposto immagine diapositiva 1"/>
+          <p:cNvPr id="2" name="Slide Image Placeholder 1"/>
           <p:cNvSpPr>
             <a:spLocks noGrp="1" noRot="1" noChangeAspect="1"/>
           </p:cNvSpPr>
@@ -3399,7 +3392,7 @@
       </p:sp>
       <p:sp>
         <p:nvSpPr>
-          <p:cNvPr id="3" name="Segnaposto note 2"/>
+          <p:cNvPr id="3" name="Notes Placeholder 2"/>
           <p:cNvSpPr>
             <a:spLocks noGrp="1"/>
           </p:cNvSpPr>
@@ -3409,18 +3402,47 @@
         </p:nvSpPr>
         <p:spPr/>
         <p:txBody>
-          <a:bodyPr>
-            <a:normAutofit/>
-          </a:bodyPr>
-          <a:lstStyle/>
-          <a:p>
-            <a:endParaRPr lang="it-IT"/>
-          </a:p>
-        </p:txBody>
-      </p:sp>
-      <p:sp>
-        <p:nvSpPr>
-          <p:cNvPr id="4" name="Segnaposto numero diapositiva 3"/>
+          <a:bodyPr/>
+          <a:lstStyle/>
+          <a:p>
+            <a:pPr marL="0" marR="0" indent="0" algn="l" defTabSz="914400" rtl="0" eaLnBrk="1" fontAlgn="auto" latinLnBrk="0" hangingPunct="1">
+              <a:lnSpc>
+                <a:spcPct val="100000"/>
+              </a:lnSpc>
+              <a:spcBef>
+                <a:spcPts val="0"/>
+              </a:spcBef>
+              <a:spcAft>
+                <a:spcPts val="0"/>
+              </a:spcAft>
+              <a:buClrTx/>
+              <a:buSzTx/>
+              <a:buFontTx/>
+              <a:buNone/>
+              <a:tabLst/>
+              <a:defRPr/>
+            </a:pPr>
+            <a:r>
+              <a:rPr lang="en-US" sz="1200" dirty="0" smtClean="0"/>
+              <a:t>Pattern-oriented Modeling (Grimm et al., 2005) as a way to externally validate models ; return of Multi-Modeling (</a:t>
+            </a:r>
+            <a:r>
+              <a:rPr lang="en-US" sz="1200" dirty="0" err="1" smtClean="0"/>
+              <a:t>Cottineau</a:t>
+            </a:r>
+            <a:r>
+              <a:rPr lang="en-US" sz="1200" dirty="0" smtClean="0"/>
+              <a:t> et al., 2015) to discriminate alternative explanations ; High Performance Computing calibration bringing “proofs” in Social Sciences (Schmitt et al., 2014).</a:t>
+            </a:r>
+          </a:p>
+          <a:p>
+            <a:endParaRPr lang="en-US" dirty="0"/>
+          </a:p>
+        </p:txBody>
+      </p:sp>
+      <p:sp>
+        <p:nvSpPr>
+          <p:cNvPr id="4" name="Slide Number Placeholder 3"/>
           <p:cNvSpPr>
             <a:spLocks noGrp="1"/>
           </p:cNvSpPr>
@@ -3436,13 +3458,18 @@
             <a:fld id="{EEB5E41D-CE4C-4D44-BEA1-B9B8E80E5B7A}" type="slidenum">
               <a:rPr lang="it-IT" smtClean="0"/>
               <a:pPr/>
-              <a:t>22</a:t>
+              <a:t>8</a:t>
             </a:fld>
             <a:endParaRPr lang="it-IT"/>
           </a:p>
         </p:txBody>
       </p:sp>
     </p:spTree>
+    <p:extLst>
+      <p:ext uri="{BB962C8B-B14F-4D97-AF65-F5344CB8AC3E}">
+        <p14:creationId xmlns:p14="http://schemas.microsoft.com/office/powerpoint/2010/main" val="935419515"/>
+      </p:ext>
+    </p:extLst>
   </p:cSld>
   <p:clrMapOvr>
     <a:masterClrMapping/>
@@ -3955,7 +3982,7 @@
           <a:p>
             <a:fld id="{CFE4BAC9-6D41-4691-9299-18EF07EF0177}" type="slidenum">
               <a:rPr lang="en-US" smtClean="0"/>
-              <a:t>‹n.›</a:t>
+              <a:t>‹#›</a:t>
             </a:fld>
             <a:endParaRPr lang="en-US"/>
           </a:p>
@@ -4223,7 +4250,7 @@
             <a:fld id="{B007B441-5312-499D-93C3-6E37886527FA}" type="slidenum">
               <a:rPr lang="it-IT" smtClean="0"/>
               <a:pPr/>
-              <a:t>‹n.›</a:t>
+              <a:t>‹#›</a:t>
             </a:fld>
             <a:endParaRPr lang="it-IT" dirty="0"/>
           </a:p>
@@ -4896,7 +4923,7 @@
             <a:fld id="{B007B441-5312-499D-93C3-6E37886527FA}" type="slidenum">
               <a:rPr lang="it-IT" smtClean="0"/>
               <a:pPr/>
-              <a:t>‹n.›</a:t>
+              <a:t>‹#›</a:t>
             </a:fld>
             <a:endParaRPr lang="it-IT" dirty="0"/>
           </a:p>
@@ -5566,7 +5593,7 @@
             <a:fld id="{B007B441-5312-499D-93C3-6E37886527FA}" type="slidenum">
               <a:rPr lang="it-IT" smtClean="0"/>
               <a:pPr/>
-              <a:t>‹n.›</a:t>
+              <a:t>‹#›</a:t>
             </a:fld>
             <a:endParaRPr lang="it-IT" dirty="0"/>
           </a:p>
@@ -6752,7 +6779,7 @@
             <a:fld id="{B007B441-5312-499D-93C3-6E37886527FA}" type="slidenum">
               <a:rPr lang="it-IT" smtClean="0"/>
               <a:pPr/>
-              <a:t>‹n.›</a:t>
+              <a:t>‹#›</a:t>
             </a:fld>
             <a:endParaRPr lang="it-IT" dirty="0"/>
           </a:p>
@@ -6895,7 +6922,7 @@
             <a:fld id="{B007B441-5312-499D-93C3-6E37886527FA}" type="slidenum">
               <a:rPr lang="it-IT" smtClean="0"/>
               <a:pPr/>
-              <a:t>‹n.›</a:t>
+              <a:t>‹#›</a:t>
             </a:fld>
             <a:endParaRPr lang="it-IT" dirty="0"/>
           </a:p>
@@ -7835,7 +7862,7 @@
             <a:fld id="{B007B441-5312-499D-93C3-6E37886527FA}" type="slidenum">
               <a:rPr lang="it-IT" smtClean="0"/>
               <a:pPr/>
-              <a:t>‹n.›</a:t>
+              <a:t>‹#›</a:t>
             </a:fld>
             <a:endParaRPr lang="it-IT" dirty="0"/>
           </a:p>
@@ -8371,7 +8398,7 @@
             <a:fld id="{B007B441-5312-499D-93C3-6E37886527FA}" type="slidenum">
               <a:rPr lang="it-IT" smtClean="0"/>
               <a:pPr/>
-              <a:t>‹n.›</a:t>
+              <a:t>‹#›</a:t>
             </a:fld>
             <a:endParaRPr lang="it-IT" dirty="0"/>
           </a:p>
@@ -12778,891 +12805,6 @@
 </p:sld>
 </file>
 
-<file path=ppt/slides/slide21.xml><?xml version="1.0" encoding="utf-8"?>
-<p:sld xmlns:a="http://schemas.openxmlformats.org/drawingml/2006/main" xmlns:r="http://schemas.openxmlformats.org/officeDocument/2006/relationships" xmlns:p="http://schemas.openxmlformats.org/presentationml/2006/main">
-  <p:cSld>
-    <p:spTree>
-      <p:nvGrpSpPr>
-        <p:cNvPr id="1" name=""/>
-        <p:cNvGrpSpPr/>
-        <p:nvPr/>
-      </p:nvGrpSpPr>
-      <p:grpSpPr>
-        <a:xfrm>
-          <a:off x="0" y="0"/>
-          <a:ext cx="0" cy="0"/>
-          <a:chOff x="0" y="0"/>
-          <a:chExt cx="0" cy="0"/>
-        </a:xfrm>
-      </p:grpSpPr>
-      <p:sp>
-        <p:nvSpPr>
-          <p:cNvPr id="2" name="Titolo 1"/>
-          <p:cNvSpPr>
-            <a:spLocks noGrp="1"/>
-          </p:cNvSpPr>
-          <p:nvPr>
-            <p:ph type="title"/>
-          </p:nvPr>
-        </p:nvSpPr>
-        <p:spPr/>
-        <p:txBody>
-          <a:bodyPr/>
-          <a:lstStyle/>
-          <a:p>
-            <a:r>
-              <a:rPr lang="it-IT" dirty="0" smtClean="0"/>
-              <a:t>Learning the </a:t>
-            </a:r>
-            <a:r>
-              <a:rPr lang="it-IT" dirty="0" err="1" smtClean="0"/>
-              <a:t>language</a:t>
-            </a:r>
-            <a:endParaRPr lang="it-IT" dirty="0"/>
-          </a:p>
-        </p:txBody>
-      </p:sp>
-      <p:sp>
-        <p:nvSpPr>
-          <p:cNvPr id="3" name="Segnaposto contenuto 2"/>
-          <p:cNvSpPr>
-            <a:spLocks noGrp="1"/>
-          </p:cNvSpPr>
-          <p:nvPr>
-            <p:ph sz="quarter" idx="1"/>
-          </p:nvPr>
-        </p:nvSpPr>
-        <p:spPr/>
-        <p:txBody>
-          <a:bodyPr/>
-          <a:lstStyle/>
-          <a:p>
-            <a:r>
-              <a:rPr lang="it-IT" dirty="0" smtClean="0"/>
-              <a:t> Foto ZIRAN</a:t>
-            </a:r>
-          </a:p>
-          <a:p>
-            <a:endParaRPr lang="it-IT" dirty="0"/>
-          </a:p>
-          <a:p>
-            <a:r>
-              <a:rPr lang="it-IT" dirty="0" smtClean="0"/>
-              <a:t>My first </a:t>
-            </a:r>
-            <a:r>
-              <a:rPr lang="it-IT" dirty="0" err="1" smtClean="0"/>
-              <a:t>messages</a:t>
-            </a:r>
-            <a:r>
-              <a:rPr lang="it-IT" dirty="0" smtClean="0"/>
-              <a:t> in </a:t>
-            </a:r>
-            <a:r>
-              <a:rPr lang="it-IT" dirty="0" err="1" smtClean="0"/>
-              <a:t>chinese</a:t>
-            </a:r>
-            <a:r>
-              <a:rPr lang="is-IS" dirty="0" smtClean="0"/>
-              <a:t>…. (screenshot)</a:t>
-            </a:r>
-          </a:p>
-          <a:p>
-            <a:r>
-              <a:rPr lang="is-IS" dirty="0" smtClean="0"/>
-              <a:t>Setting discussion groups</a:t>
-            </a:r>
-            <a:endParaRPr lang="it-IT" dirty="0" smtClean="0"/>
-          </a:p>
-          <a:p>
-            <a:endParaRPr lang="it-IT" dirty="0"/>
-          </a:p>
-          <a:p>
-            <a:endParaRPr lang="it-IT" dirty="0" smtClean="0"/>
-          </a:p>
-          <a:p>
-            <a:endParaRPr lang="it-IT" dirty="0"/>
-          </a:p>
-        </p:txBody>
-      </p:sp>
-    </p:spTree>
-    <p:extLst>
-      <p:ext uri="{BB962C8B-B14F-4D97-AF65-F5344CB8AC3E}">
-        <p14:creationId xmlns:p14="http://schemas.microsoft.com/office/powerpoint/2010/main" val="3181425644"/>
-      </p:ext>
-    </p:extLst>
-  </p:cSld>
-  <p:clrMapOvr>
-    <a:masterClrMapping/>
-  </p:clrMapOvr>
-  <p:timing>
-    <p:tnLst>
-      <p:par>
-        <p:cTn xmlns:p14="http://schemas.microsoft.com/office/powerpoint/2010/main" id="1" dur="indefinite" restart="never" nodeType="tmRoot"/>
-      </p:par>
-    </p:tnLst>
-  </p:timing>
-</p:sld>
-</file>
-
-<file path=ppt/slides/slide22.xml><?xml version="1.0" encoding="utf-8"?>
-<p:sld xmlns:a="http://schemas.openxmlformats.org/drawingml/2006/main" xmlns:r="http://schemas.openxmlformats.org/officeDocument/2006/relationships" xmlns:p="http://schemas.openxmlformats.org/presentationml/2006/main">
-  <p:cSld>
-    <p:spTree>
-      <p:nvGrpSpPr>
-        <p:cNvPr id="1" name=""/>
-        <p:cNvGrpSpPr/>
-        <p:nvPr/>
-      </p:nvGrpSpPr>
-      <p:grpSpPr>
-        <a:xfrm>
-          <a:off x="0" y="0"/>
-          <a:ext cx="0" cy="0"/>
-          <a:chOff x="0" y="0"/>
-          <a:chExt cx="0" cy="0"/>
-        </a:xfrm>
-      </p:grpSpPr>
-      <p:sp>
-        <p:nvSpPr>
-          <p:cNvPr id="2" name="Titolo 1"/>
-          <p:cNvSpPr>
-            <a:spLocks noGrp="1"/>
-          </p:cNvSpPr>
-          <p:nvPr>
-            <p:ph type="title"/>
-          </p:nvPr>
-        </p:nvSpPr>
-        <p:spPr/>
-        <p:txBody>
-          <a:bodyPr/>
-          <a:lstStyle/>
-          <a:p>
-            <a:r>
-              <a:rPr lang="it-IT" dirty="0" err="1" smtClean="0"/>
-              <a:t>Getting</a:t>
-            </a:r>
-            <a:r>
-              <a:rPr lang="it-IT" dirty="0" smtClean="0"/>
-              <a:t> to </a:t>
-            </a:r>
-            <a:r>
-              <a:rPr lang="it-IT" dirty="0" err="1" smtClean="0"/>
-              <a:t>know</a:t>
-            </a:r>
-            <a:r>
-              <a:rPr lang="it-IT" dirty="0" smtClean="0"/>
-              <a:t> the </a:t>
-            </a:r>
-            <a:r>
-              <a:rPr lang="it-IT" dirty="0" err="1" smtClean="0"/>
-              <a:t>context</a:t>
-            </a:r>
-            <a:endParaRPr lang="it-IT" dirty="0"/>
-          </a:p>
-        </p:txBody>
-      </p:sp>
-      <p:sp>
-        <p:nvSpPr>
-          <p:cNvPr id="3" name="Segnaposto contenuto 2"/>
-          <p:cNvSpPr>
-            <a:spLocks noGrp="1"/>
-          </p:cNvSpPr>
-          <p:nvPr>
-            <p:ph sz="quarter" idx="1"/>
-          </p:nvPr>
-        </p:nvSpPr>
-        <p:spPr/>
-        <p:txBody>
-          <a:bodyPr/>
-          <a:lstStyle/>
-          <a:p>
-            <a:r>
-              <a:rPr lang="it-IT" dirty="0" smtClean="0"/>
-              <a:t>Meeting - </a:t>
-            </a:r>
-            <a:r>
-              <a:rPr lang="it-IT" dirty="0" err="1" smtClean="0"/>
-              <a:t>interviewing</a:t>
-            </a:r>
-            <a:r>
-              <a:rPr lang="it-IT" dirty="0" smtClean="0"/>
-              <a:t> to </a:t>
-            </a:r>
-            <a:r>
-              <a:rPr lang="it-IT" dirty="0" err="1" smtClean="0"/>
-              <a:t>people</a:t>
-            </a:r>
-            <a:r>
-              <a:rPr lang="it-IT" dirty="0" smtClean="0"/>
-              <a:t> (photo Rebecca + </a:t>
-            </a:r>
-            <a:r>
-              <a:rPr lang="it-IT" dirty="0" err="1" smtClean="0"/>
-              <a:t>Ye</a:t>
-            </a:r>
-            <a:r>
-              <a:rPr lang="it-IT" dirty="0" smtClean="0"/>
-              <a:t> e Gerry)</a:t>
-            </a:r>
-            <a:endParaRPr lang="is-IS" dirty="0" smtClean="0"/>
-          </a:p>
-          <a:p>
-            <a:r>
-              <a:rPr lang="is-IS" dirty="0" smtClean="0"/>
-              <a:t>Getting to know local culture (city-rural areas)</a:t>
-            </a:r>
-          </a:p>
-          <a:p>
-            <a:endParaRPr lang="is-IS" dirty="0" smtClean="0"/>
-          </a:p>
-          <a:p>
-            <a:r>
-              <a:rPr lang="is-IS" dirty="0" smtClean="0"/>
-              <a:t>One photo selected for the Contest</a:t>
-            </a:r>
-          </a:p>
-          <a:p>
-            <a:endParaRPr lang="it-IT" dirty="0"/>
-          </a:p>
-        </p:txBody>
-      </p:sp>
-    </p:spTree>
-    <p:extLst>
-      <p:ext uri="{BB962C8B-B14F-4D97-AF65-F5344CB8AC3E}">
-        <p14:creationId xmlns:p14="http://schemas.microsoft.com/office/powerpoint/2010/main" val="619734599"/>
-      </p:ext>
-    </p:extLst>
-  </p:cSld>
-  <p:clrMapOvr>
-    <a:masterClrMapping/>
-  </p:clrMapOvr>
-  <p:timing>
-    <p:tnLst>
-      <p:par>
-        <p:cTn xmlns:p14="http://schemas.microsoft.com/office/powerpoint/2010/main" id="1" dur="indefinite" restart="never" nodeType="tmRoot"/>
-      </p:par>
-    </p:tnLst>
-  </p:timing>
-</p:sld>
-</file>
-
-<file path=ppt/slides/slide23.xml><?xml version="1.0" encoding="utf-8"?>
-<p:sld xmlns:a="http://schemas.openxmlformats.org/drawingml/2006/main" xmlns:r="http://schemas.openxmlformats.org/officeDocument/2006/relationships" xmlns:p="http://schemas.openxmlformats.org/presentationml/2006/main">
-  <p:cSld>
-    <p:spTree>
-      <p:nvGrpSpPr>
-        <p:cNvPr id="1" name=""/>
-        <p:cNvGrpSpPr/>
-        <p:nvPr/>
-      </p:nvGrpSpPr>
-      <p:grpSpPr>
-        <a:xfrm>
-          <a:off x="0" y="0"/>
-          <a:ext cx="0" cy="0"/>
-          <a:chOff x="0" y="0"/>
-          <a:chExt cx="0" cy="0"/>
-        </a:xfrm>
-      </p:grpSpPr>
-      <p:sp>
-        <p:nvSpPr>
-          <p:cNvPr id="7" name="Titolo 6"/>
-          <p:cNvSpPr>
-            <a:spLocks noGrp="1"/>
-          </p:cNvSpPr>
-          <p:nvPr>
-            <p:ph type="title"/>
-          </p:nvPr>
-        </p:nvSpPr>
-        <p:spPr/>
-        <p:txBody>
-          <a:bodyPr/>
-          <a:lstStyle/>
-          <a:p>
-            <a:r>
-              <a:rPr lang="it-IT" dirty="0" err="1" smtClean="0"/>
-              <a:t>Fieldwork</a:t>
-            </a:r>
-            <a:r>
-              <a:rPr lang="it-IT" dirty="0" smtClean="0"/>
-              <a:t> </a:t>
-            </a:r>
-            <a:r>
-              <a:rPr lang="it-IT" dirty="0" err="1" smtClean="0"/>
-              <a:t>informants</a:t>
-            </a:r>
-            <a:endParaRPr lang="it-IT" dirty="0"/>
-          </a:p>
-        </p:txBody>
-      </p:sp>
-      <p:sp>
-        <p:nvSpPr>
-          <p:cNvPr id="8" name="Segnaposto contenuto 7"/>
-          <p:cNvSpPr>
-            <a:spLocks noGrp="1"/>
-          </p:cNvSpPr>
-          <p:nvPr>
-            <p:ph sz="half" idx="1"/>
-          </p:nvPr>
-        </p:nvSpPr>
-        <p:spPr/>
-        <p:txBody>
-          <a:bodyPr/>
-          <a:lstStyle/>
-          <a:p>
-            <a:r>
-              <a:rPr lang="it-IT" dirty="0" smtClean="0"/>
-              <a:t>Rebecca (photo in the </a:t>
-            </a:r>
-            <a:r>
-              <a:rPr lang="it-IT" dirty="0" err="1" smtClean="0"/>
-              <a:t>village</a:t>
-            </a:r>
-            <a:r>
-              <a:rPr lang="it-IT" dirty="0" smtClean="0"/>
-              <a:t>, </a:t>
-            </a:r>
-            <a:r>
-              <a:rPr lang="it-IT" dirty="0" err="1" smtClean="0"/>
-              <a:t>during</a:t>
-            </a:r>
-            <a:r>
-              <a:rPr lang="it-IT" dirty="0" smtClean="0"/>
-              <a:t> the </a:t>
-            </a:r>
-            <a:r>
-              <a:rPr lang="it-IT" dirty="0" err="1" smtClean="0"/>
-              <a:t>interviews</a:t>
-            </a:r>
-            <a:r>
-              <a:rPr lang="it-IT" dirty="0" smtClean="0"/>
-              <a:t>)</a:t>
-            </a:r>
-          </a:p>
-          <a:p>
-            <a:r>
-              <a:rPr lang="it-IT" dirty="0" err="1" smtClean="0"/>
-              <a:t>Joy</a:t>
-            </a:r>
-            <a:r>
-              <a:rPr lang="it-IT" dirty="0" smtClean="0"/>
-              <a:t> (screen </a:t>
-            </a:r>
-            <a:r>
-              <a:rPr lang="it-IT" dirty="0" err="1" smtClean="0"/>
-              <a:t>shot</a:t>
-            </a:r>
-            <a:r>
-              <a:rPr lang="it-IT" dirty="0"/>
-              <a:t> </a:t>
-            </a:r>
-            <a:r>
-              <a:rPr lang="it-IT" dirty="0" smtClean="0"/>
-              <a:t>in DT)</a:t>
-            </a:r>
-            <a:endParaRPr lang="it-IT" dirty="0"/>
-          </a:p>
-        </p:txBody>
-      </p:sp>
-      <p:sp>
-        <p:nvSpPr>
-          <p:cNvPr id="9" name="Segnaposto contenuto 8"/>
-          <p:cNvSpPr>
-            <a:spLocks noGrp="1"/>
-          </p:cNvSpPr>
-          <p:nvPr>
-            <p:ph sz="half" idx="2"/>
-          </p:nvPr>
-        </p:nvSpPr>
-        <p:spPr/>
-        <p:txBody>
-          <a:bodyPr/>
-          <a:lstStyle/>
-          <a:p>
-            <a:r>
-              <a:rPr lang="it-IT" dirty="0" smtClean="0"/>
-              <a:t>The </a:t>
-            </a:r>
-            <a:r>
-              <a:rPr lang="it-IT" dirty="0" err="1" smtClean="0"/>
-              <a:t>students</a:t>
-            </a:r>
-            <a:r>
-              <a:rPr lang="it-IT" dirty="0" smtClean="0"/>
-              <a:t> </a:t>
-            </a:r>
-          </a:p>
-          <a:p>
-            <a:r>
-              <a:rPr lang="it-IT" dirty="0" smtClean="0"/>
-              <a:t>(durante il workshop e prima)</a:t>
-            </a:r>
-          </a:p>
-          <a:p>
-            <a:r>
-              <a:rPr lang="it-IT" dirty="0" smtClean="0"/>
-              <a:t>The workshops</a:t>
-            </a:r>
-          </a:p>
-          <a:p>
-            <a:endParaRPr lang="it-IT" dirty="0"/>
-          </a:p>
-          <a:p>
-            <a:endParaRPr lang="it-IT" dirty="0"/>
-          </a:p>
-        </p:txBody>
-      </p:sp>
-    </p:spTree>
-    <p:extLst>
-      <p:ext uri="{BB962C8B-B14F-4D97-AF65-F5344CB8AC3E}">
-        <p14:creationId xmlns:p14="http://schemas.microsoft.com/office/powerpoint/2010/main" val="352830857"/>
-      </p:ext>
-    </p:extLst>
-  </p:cSld>
-  <p:clrMapOvr>
-    <a:masterClrMapping/>
-  </p:clrMapOvr>
-  <p:timing>
-    <p:tnLst>
-      <p:par>
-        <p:cTn xmlns:p14="http://schemas.microsoft.com/office/powerpoint/2010/main" id="1" dur="indefinite" restart="never" nodeType="tmRoot"/>
-      </p:par>
-    </p:tnLst>
-  </p:timing>
-</p:sld>
-</file>
-
-<file path=ppt/slides/slide24.xml><?xml version="1.0" encoding="utf-8"?>
-<p:sld xmlns:a="http://schemas.openxmlformats.org/drawingml/2006/main" xmlns:r="http://schemas.openxmlformats.org/officeDocument/2006/relationships" xmlns:p="http://schemas.openxmlformats.org/presentationml/2006/main">
-  <p:cSld>
-    <p:spTree>
-      <p:nvGrpSpPr>
-        <p:cNvPr id="1" name=""/>
-        <p:cNvGrpSpPr/>
-        <p:nvPr/>
-      </p:nvGrpSpPr>
-      <p:grpSpPr>
-        <a:xfrm>
-          <a:off x="0" y="0"/>
-          <a:ext cx="0" cy="0"/>
-          <a:chOff x="0" y="0"/>
-          <a:chExt cx="0" cy="0"/>
-        </a:xfrm>
-      </p:grpSpPr>
-      <p:sp>
-        <p:nvSpPr>
-          <p:cNvPr id="2" name="Title 1"/>
-          <p:cNvSpPr>
-            <a:spLocks noGrp="1"/>
-          </p:cNvSpPr>
-          <p:nvPr>
-            <p:ph type="title"/>
-          </p:nvPr>
-        </p:nvSpPr>
-        <p:spPr/>
-        <p:txBody>
-          <a:bodyPr>
-            <a:normAutofit/>
-          </a:bodyPr>
-          <a:lstStyle/>
-          <a:p>
-            <a:r>
-              <a:rPr lang="en-US" dirty="0" smtClean="0"/>
-              <a:t>People perception of </a:t>
-            </a:r>
-            <a:r>
-              <a:rPr lang="en-US" dirty="0" err="1" smtClean="0"/>
-              <a:t>developmement</a:t>
-            </a:r>
-            <a:endParaRPr lang="en-US" dirty="0"/>
-          </a:p>
-        </p:txBody>
-      </p:sp>
-      <p:sp>
-        <p:nvSpPr>
-          <p:cNvPr id="3" name="Content Placeholder 2"/>
-          <p:cNvSpPr>
-            <a:spLocks noGrp="1"/>
-          </p:cNvSpPr>
-          <p:nvPr>
-            <p:ph sz="half" idx="1"/>
-          </p:nvPr>
-        </p:nvSpPr>
-        <p:spPr/>
-        <p:txBody>
-          <a:bodyPr/>
-          <a:lstStyle/>
-          <a:p>
-            <a:r>
-              <a:rPr lang="en-US" dirty="0" smtClean="0"/>
-              <a:t>The visual frame</a:t>
-            </a:r>
-          </a:p>
-          <a:p>
-            <a:endParaRPr lang="en-US" dirty="0"/>
-          </a:p>
-        </p:txBody>
-      </p:sp>
-      <p:sp>
-        <p:nvSpPr>
-          <p:cNvPr id="4" name="Content Placeholder 3"/>
-          <p:cNvSpPr>
-            <a:spLocks noGrp="1"/>
-          </p:cNvSpPr>
-          <p:nvPr>
-            <p:ph sz="half" idx="2"/>
-          </p:nvPr>
-        </p:nvSpPr>
-        <p:spPr/>
-        <p:txBody>
-          <a:bodyPr/>
-          <a:lstStyle/>
-          <a:p>
-            <a:r>
-              <a:rPr lang="en-US" dirty="0" smtClean="0"/>
-              <a:t>Some sentences</a:t>
-            </a:r>
-            <a:endParaRPr lang="en-US" dirty="0"/>
-          </a:p>
-        </p:txBody>
-      </p:sp>
-    </p:spTree>
-    <p:extLst>
-      <p:ext uri="{BB962C8B-B14F-4D97-AF65-F5344CB8AC3E}">
-        <p14:creationId xmlns:p14="http://schemas.microsoft.com/office/powerpoint/2010/main" val="160073079"/>
-      </p:ext>
-    </p:extLst>
-  </p:cSld>
-  <p:clrMapOvr>
-    <a:masterClrMapping/>
-  </p:clrMapOvr>
-  <p:timing>
-    <p:tnLst>
-      <p:par>
-        <p:cTn xmlns:p14="http://schemas.microsoft.com/office/powerpoint/2010/main" id="1" dur="indefinite" restart="never" nodeType="tmRoot"/>
-      </p:par>
-    </p:tnLst>
-  </p:timing>
-</p:sld>
-</file>
-
-<file path=ppt/slides/slide25.xml><?xml version="1.0" encoding="utf-8"?>
-<p:sld xmlns:a="http://schemas.openxmlformats.org/drawingml/2006/main" xmlns:r="http://schemas.openxmlformats.org/officeDocument/2006/relationships" xmlns:p="http://schemas.openxmlformats.org/presentationml/2006/main">
-  <p:cSld>
-    <p:spTree>
-      <p:nvGrpSpPr>
-        <p:cNvPr id="1" name=""/>
-        <p:cNvGrpSpPr/>
-        <p:nvPr/>
-      </p:nvGrpSpPr>
-      <p:grpSpPr>
-        <a:xfrm>
-          <a:off x="0" y="0"/>
-          <a:ext cx="0" cy="0"/>
-          <a:chOff x="0" y="0"/>
-          <a:chExt cx="0" cy="0"/>
-        </a:xfrm>
-      </p:grpSpPr>
-      <p:sp>
-        <p:nvSpPr>
-          <p:cNvPr id="2" name="Title 1"/>
-          <p:cNvSpPr>
-            <a:spLocks noGrp="1"/>
-          </p:cNvSpPr>
-          <p:nvPr>
-            <p:ph type="title"/>
-          </p:nvPr>
-        </p:nvSpPr>
-        <p:spPr/>
-        <p:txBody>
-          <a:bodyPr/>
-          <a:lstStyle/>
-          <a:p>
-            <a:endParaRPr lang="en-US"/>
-          </a:p>
-        </p:txBody>
-      </p:sp>
-      <p:sp>
-        <p:nvSpPr>
-          <p:cNvPr id="3" name="Content Placeholder 2"/>
-          <p:cNvSpPr>
-            <a:spLocks noGrp="1"/>
-          </p:cNvSpPr>
-          <p:nvPr>
-            <p:ph sz="half" idx="1"/>
-          </p:nvPr>
-        </p:nvSpPr>
-        <p:spPr/>
-        <p:txBody>
-          <a:bodyPr/>
-          <a:lstStyle/>
-          <a:p>
-            <a:r>
-              <a:rPr lang="en-US" dirty="0" smtClean="0"/>
-              <a:t>Single images</a:t>
-            </a:r>
-            <a:endParaRPr lang="en-US" dirty="0"/>
-          </a:p>
-        </p:txBody>
-      </p:sp>
-      <p:sp>
-        <p:nvSpPr>
-          <p:cNvPr id="4" name="Content Placeholder 3"/>
-          <p:cNvSpPr>
-            <a:spLocks noGrp="1"/>
-          </p:cNvSpPr>
-          <p:nvPr>
-            <p:ph sz="half" idx="2"/>
-          </p:nvPr>
-        </p:nvSpPr>
-        <p:spPr/>
-        <p:txBody>
-          <a:bodyPr/>
-          <a:lstStyle/>
-          <a:p>
-            <a:endParaRPr lang="en-US"/>
-          </a:p>
-        </p:txBody>
-      </p:sp>
-    </p:spTree>
-    <p:extLst>
-      <p:ext uri="{BB962C8B-B14F-4D97-AF65-F5344CB8AC3E}">
-        <p14:creationId xmlns:p14="http://schemas.microsoft.com/office/powerpoint/2010/main" val="367322102"/>
-      </p:ext>
-    </p:extLst>
-  </p:cSld>
-  <p:clrMapOvr>
-    <a:masterClrMapping/>
-  </p:clrMapOvr>
-  <p:timing>
-    <p:tnLst>
-      <p:par>
-        <p:cTn xmlns:p14="http://schemas.microsoft.com/office/powerpoint/2010/main" id="1" dur="indefinite" restart="never" nodeType="tmRoot"/>
-      </p:par>
-    </p:tnLst>
-  </p:timing>
-</p:sld>
-</file>
-
-<file path=ppt/slides/slide26.xml><?xml version="1.0" encoding="utf-8"?>
-<p:sld xmlns:a="http://schemas.openxmlformats.org/drawingml/2006/main" xmlns:r="http://schemas.openxmlformats.org/officeDocument/2006/relationships" xmlns:p="http://schemas.openxmlformats.org/presentationml/2006/main">
-  <p:cSld>
-    <p:spTree>
-      <p:nvGrpSpPr>
-        <p:cNvPr id="1" name=""/>
-        <p:cNvGrpSpPr/>
-        <p:nvPr/>
-      </p:nvGrpSpPr>
-      <p:grpSpPr>
-        <a:xfrm>
-          <a:off x="0" y="0"/>
-          <a:ext cx="0" cy="0"/>
-          <a:chOff x="0" y="0"/>
-          <a:chExt cx="0" cy="0"/>
-        </a:xfrm>
-      </p:grpSpPr>
-      <p:sp>
-        <p:nvSpPr>
-          <p:cNvPr id="2" name="Title 1"/>
-          <p:cNvSpPr>
-            <a:spLocks noGrp="1"/>
-          </p:cNvSpPr>
-          <p:nvPr>
-            <p:ph type="title"/>
-          </p:nvPr>
-        </p:nvSpPr>
-        <p:spPr/>
-        <p:txBody>
-          <a:bodyPr/>
-          <a:lstStyle/>
-          <a:p>
-            <a:endParaRPr lang="en-US"/>
-          </a:p>
-        </p:txBody>
-      </p:sp>
-      <p:sp>
-        <p:nvSpPr>
-          <p:cNvPr id="3" name="Content Placeholder 2"/>
-          <p:cNvSpPr>
-            <a:spLocks noGrp="1"/>
-          </p:cNvSpPr>
-          <p:nvPr>
-            <p:ph sz="half" idx="1"/>
-          </p:nvPr>
-        </p:nvSpPr>
-        <p:spPr/>
-        <p:txBody>
-          <a:bodyPr/>
-          <a:lstStyle/>
-          <a:p>
-            <a:r>
-              <a:rPr lang="en-US" dirty="0" smtClean="0"/>
-              <a:t>Their composition</a:t>
-            </a:r>
-            <a:endParaRPr lang="en-US" dirty="0"/>
-          </a:p>
-        </p:txBody>
-      </p:sp>
-      <p:sp>
-        <p:nvSpPr>
-          <p:cNvPr id="4" name="Content Placeholder 3"/>
-          <p:cNvSpPr>
-            <a:spLocks noGrp="1"/>
-          </p:cNvSpPr>
-          <p:nvPr>
-            <p:ph sz="half" idx="2"/>
-          </p:nvPr>
-        </p:nvSpPr>
-        <p:spPr/>
-        <p:txBody>
-          <a:bodyPr/>
-          <a:lstStyle/>
-          <a:p>
-            <a:endParaRPr lang="en-US"/>
-          </a:p>
-        </p:txBody>
-      </p:sp>
-    </p:spTree>
-    <p:extLst>
-      <p:ext uri="{BB962C8B-B14F-4D97-AF65-F5344CB8AC3E}">
-        <p14:creationId xmlns:p14="http://schemas.microsoft.com/office/powerpoint/2010/main" val="1300508526"/>
-      </p:ext>
-    </p:extLst>
-  </p:cSld>
-  <p:clrMapOvr>
-    <a:masterClrMapping/>
-  </p:clrMapOvr>
-  <p:timing>
-    <p:tnLst>
-      <p:par>
-        <p:cTn xmlns:p14="http://schemas.microsoft.com/office/powerpoint/2010/main" id="1" dur="indefinite" restart="never" nodeType="tmRoot"/>
-      </p:par>
-    </p:tnLst>
-  </p:timing>
-</p:sld>
-</file>
-
-<file path=ppt/slides/slide27.xml><?xml version="1.0" encoding="utf-8"?>
-<p:sld xmlns:a="http://schemas.openxmlformats.org/drawingml/2006/main" xmlns:r="http://schemas.openxmlformats.org/officeDocument/2006/relationships" xmlns:p="http://schemas.openxmlformats.org/presentationml/2006/main">
-  <p:cSld>
-    <p:spTree>
-      <p:nvGrpSpPr>
-        <p:cNvPr id="1" name=""/>
-        <p:cNvGrpSpPr/>
-        <p:nvPr/>
-      </p:nvGrpSpPr>
-      <p:grpSpPr>
-        <a:xfrm>
-          <a:off x="0" y="0"/>
-          <a:ext cx="0" cy="0"/>
-          <a:chOff x="0" y="0"/>
-          <a:chExt cx="0" cy="0"/>
-        </a:xfrm>
-      </p:grpSpPr>
-      <p:sp>
-        <p:nvSpPr>
-          <p:cNvPr id="2" name="Title 1"/>
-          <p:cNvSpPr>
-            <a:spLocks noGrp="1"/>
-          </p:cNvSpPr>
-          <p:nvPr>
-            <p:ph type="title"/>
-          </p:nvPr>
-        </p:nvSpPr>
-        <p:spPr/>
-        <p:txBody>
-          <a:bodyPr/>
-          <a:lstStyle/>
-          <a:p>
-            <a:r>
-              <a:rPr lang="en-US" dirty="0" smtClean="0"/>
-              <a:t>Follow up</a:t>
-            </a:r>
-            <a:endParaRPr lang="en-US" dirty="0"/>
-          </a:p>
-        </p:txBody>
-      </p:sp>
-      <p:sp>
-        <p:nvSpPr>
-          <p:cNvPr id="3" name="Content Placeholder 2"/>
-          <p:cNvSpPr>
-            <a:spLocks noGrp="1"/>
-          </p:cNvSpPr>
-          <p:nvPr>
-            <p:ph sz="half" idx="1"/>
-          </p:nvPr>
-        </p:nvSpPr>
-        <p:spPr/>
-        <p:txBody>
-          <a:bodyPr/>
-          <a:lstStyle/>
-          <a:p>
-            <a:r>
-              <a:rPr lang="en-US" dirty="0" smtClean="0"/>
-              <a:t>Interplay with SW</a:t>
-            </a:r>
-          </a:p>
-          <a:p>
-            <a:r>
-              <a:rPr lang="en-US" dirty="0" smtClean="0"/>
-              <a:t>Continue the research</a:t>
-            </a:r>
-          </a:p>
-          <a:p>
-            <a:r>
-              <a:rPr lang="en-US" dirty="0" smtClean="0"/>
-              <a:t>Setting a interviews online + to collect more + people views</a:t>
-            </a:r>
-          </a:p>
-          <a:p>
-            <a:r>
-              <a:rPr lang="en-US" dirty="0" smtClean="0"/>
-              <a:t>And exhibition next year?</a:t>
-            </a:r>
-          </a:p>
-          <a:p>
-            <a:endParaRPr lang="en-US" dirty="0"/>
-          </a:p>
-        </p:txBody>
-      </p:sp>
-      <p:sp>
-        <p:nvSpPr>
-          <p:cNvPr id="4" name="Content Placeholder 3"/>
-          <p:cNvSpPr>
-            <a:spLocks noGrp="1"/>
-          </p:cNvSpPr>
-          <p:nvPr>
-            <p:ph sz="half" idx="2"/>
-          </p:nvPr>
-        </p:nvSpPr>
-        <p:spPr/>
-        <p:txBody>
-          <a:bodyPr/>
-          <a:lstStyle/>
-          <a:p>
-            <a:endParaRPr lang="en-US"/>
-          </a:p>
-        </p:txBody>
-      </p:sp>
-    </p:spTree>
-    <p:extLst>
-      <p:ext uri="{BB962C8B-B14F-4D97-AF65-F5344CB8AC3E}">
-        <p14:creationId xmlns:p14="http://schemas.microsoft.com/office/powerpoint/2010/main" val="3931768846"/>
-      </p:ext>
-    </p:extLst>
-  </p:cSld>
-  <p:clrMapOvr>
-    <a:masterClrMapping/>
-  </p:clrMapOvr>
-  <p:timing>
-    <p:tnLst>
-      <p:par>
-        <p:cTn xmlns:p14="http://schemas.microsoft.com/office/powerpoint/2010/main" id="1" dur="indefinite" restart="never" nodeType="tmRoot"/>
-      </p:par>
-    </p:tnLst>
-  </p:timing>
-</p:sld>
-</file>
-
 <file path=ppt/slides/slide3.xml><?xml version="1.0" encoding="utf-8"?>
 <p:sld xmlns:a="http://schemas.openxmlformats.org/drawingml/2006/main" xmlns:r="http://schemas.openxmlformats.org/officeDocument/2006/relationships" xmlns:p="http://schemas.openxmlformats.org/presentationml/2006/main">
   <p:cSld>
@@ -15662,7 +14804,7 @@
         </p:nvSpPr>
         <p:spPr>
           <a:xfrm>
-            <a:off x="612648" y="1600200"/>
+            <a:off x="611560" y="1340768"/>
             <a:ext cx="8207824" cy="2332856"/>
           </a:xfrm>
         </p:spPr>
@@ -15677,14 +14819,18 @@
             </a:pPr>
             <a:r>
               <a:rPr lang="en-US" sz="2000" dirty="0" smtClean="0"/>
-              <a:t>Agent-based Modeling : from toy to fully </a:t>
-            </a:r>
-            <a:r>
-              <a:rPr lang="en-US" sz="2000" dirty="0" err="1" smtClean="0"/>
+              <a:t>Agent-based Modeling : </a:t>
+            </a:r>
+            <a:r>
+              <a:rPr lang="en-US" sz="2000" i="1" dirty="0" smtClean="0"/>
+              <a:t>from toy to fully </a:t>
+            </a:r>
+            <a:r>
+              <a:rPr lang="en-US" sz="2000" i="1" dirty="0" err="1" smtClean="0"/>
               <a:t>parametrized</a:t>
             </a:r>
             <a:r>
-              <a:rPr lang="en-US" sz="2000" dirty="0" smtClean="0"/>
+              <a:rPr lang="en-US" sz="2000" i="1" dirty="0" smtClean="0"/>
               <a:t> models, to infer indirect knowledge on processes in Complex Systems.</a:t>
             </a:r>
           </a:p>
@@ -15694,7 +14840,31 @@
             </a:pPr>
             <a:r>
               <a:rPr lang="en-US" sz="2000" dirty="0" smtClean="0"/>
-              <a:t>Recent trends : Pattern-oriented Modeling (Grimm et al., 2005) as a way to externally validate models ; return of Multi-Modeling (</a:t>
+              <a:t>Recent trends : </a:t>
+            </a:r>
+            <a:endParaRPr lang="en-US" sz="2000" dirty="0" smtClean="0"/>
+          </a:p>
+          <a:p>
+            <a:pPr algn="just"/>
+            <a:r>
+              <a:rPr lang="en-US" sz="2000" dirty="0" smtClean="0"/>
+              <a:t>Pattern</a:t>
+            </a:r>
+            <a:r>
+              <a:rPr lang="en-US" sz="2000" dirty="0" smtClean="0"/>
+              <a:t>-oriented Modeling (Grimm et al., 2005) </a:t>
+            </a:r>
+            <a:endParaRPr lang="en-US" sz="2000" dirty="0" smtClean="0"/>
+          </a:p>
+          <a:p>
+            <a:pPr algn="just"/>
+            <a:r>
+              <a:rPr lang="en-US" sz="2000" dirty="0" smtClean="0"/>
+              <a:t>Multi</a:t>
+            </a:r>
+            <a:r>
+              <a:rPr lang="en-US" sz="2000" dirty="0" smtClean="0"/>
+              <a:t>-Modeling (</a:t>
             </a:r>
             <a:r>
               <a:rPr lang="en-US" sz="2000" dirty="0" err="1" smtClean="0"/>
@@ -15702,7 +14872,30 @@
             </a:r>
             <a:r>
               <a:rPr lang="en-US" sz="2000" dirty="0" smtClean="0"/>
-              <a:t> et al., 2015) to discriminate alternative explanations ; High Performance Computing calibration bringing “proofs” in Social Sciences (Schmitt et al., 2014).</a:t>
+              <a:t> et al., </a:t>
+            </a:r>
+            <a:r>
+              <a:rPr lang="en-US" sz="2000" dirty="0" smtClean="0"/>
+              <a:t>2015)</a:t>
+            </a:r>
+          </a:p>
+          <a:p>
+            <a:pPr algn="just"/>
+            <a:r>
+              <a:rPr lang="en-US" sz="2000" dirty="0" smtClean="0"/>
+              <a:t>High </a:t>
+            </a:r>
+            <a:r>
+              <a:rPr lang="en-US" sz="2000" dirty="0" smtClean="0"/>
+              <a:t>Performance Computing </a:t>
+            </a:r>
+            <a:r>
+              <a:rPr lang="en-US" sz="2000" dirty="0" smtClean="0"/>
+              <a:t>calibration </a:t>
+            </a:r>
+            <a:r>
+              <a:rPr lang="en-US" sz="2000" dirty="0" smtClean="0"/>
+              <a:t>(Schmitt et al., 2014).</a:t>
             </a:r>
           </a:p>
           <a:p>
@@ -15715,17 +14908,17 @@
       </p:sp>
       <p:pic>
         <p:nvPicPr>
-          <p:cNvPr id="5" name="Picture 4" descr="modeling.pdf"/>
+          <p:cNvPr id="3" name="Picture 2" descr="modeling.png"/>
           <p:cNvPicPr>
             <a:picLocks noChangeAspect="1"/>
           </p:cNvPicPr>
           <p:nvPr/>
         </p:nvPicPr>
         <p:blipFill>
-          <a:blip>
+          <a:blip r:embed="rId3" cstate="print">
             <a:extLst>
               <a:ext uri="{28A0092B-C50C-407E-A947-70E740481C1C}">
-                <a14:useLocalDpi xmlns:a14="http://schemas.microsoft.com/office/drawing/2010/main"/>
+                <a14:useLocalDpi xmlns:a14="http://schemas.microsoft.com/office/drawing/2010/main" val="0"/>
               </a:ext>
             </a:extLst>
           </a:blip>
@@ -15735,8 +14928,8 @@
         </p:blipFill>
         <p:spPr>
           <a:xfrm>
-            <a:off x="2483768" y="4005064"/>
-            <a:ext cx="4248472" cy="1857117"/>
+            <a:off x="1619672" y="3645024"/>
+            <a:ext cx="5688632" cy="2491851"/>
           </a:xfrm>
           <a:prstGeom prst="rect">
             <a:avLst/>
@@ -15790,14 +14983,23 @@
             <p:ph type="title"/>
           </p:nvPr>
         </p:nvSpPr>
-        <p:spPr/>
+        <p:spPr>
+          <a:xfrm>
+            <a:off x="251520" y="20759"/>
+            <a:ext cx="8534400" cy="758952"/>
+          </a:xfrm>
+        </p:spPr>
         <p:txBody>
           <a:bodyPr/>
           <a:lstStyle/>
           <a:p>
             <a:r>
               <a:rPr lang="en-US" dirty="0" smtClean="0"/>
-              <a:t>Model Structure</a:t>
+              <a:t>Model </a:t>
+            </a:r>
+            <a:r>
+              <a:rPr lang="en-US" dirty="0" smtClean="0"/>
+              <a:t>Structure and Ontology</a:t>
             </a:r>
             <a:endParaRPr lang="en-US" dirty="0"/>
           </a:p>
@@ -15805,17 +15007,17 @@
       </p:sp>
       <p:pic>
         <p:nvPicPr>
-          <p:cNvPr id="3" name="Picture 2" descr="model.pdf"/>
+          <p:cNvPr id="5" name="Picture 4" descr="model.png"/>
           <p:cNvPicPr>
             <a:picLocks noChangeAspect="1"/>
           </p:cNvPicPr>
           <p:nvPr/>
         </p:nvPicPr>
         <p:blipFill>
-          <a:blip>
+          <a:blip r:embed="rId2">
             <a:extLst>
               <a:ext uri="{28A0092B-C50C-407E-A947-70E740481C1C}">
-                <a14:useLocalDpi xmlns:a14="http://schemas.microsoft.com/office/drawing/2010/main"/>
+                <a14:useLocalDpi xmlns:a14="http://schemas.microsoft.com/office/drawing/2010/main" val="0"/>
               </a:ext>
             </a:extLst>
           </a:blip>
@@ -15825,8 +15027,8 @@
         </p:blipFill>
         <p:spPr>
           <a:xfrm>
-            <a:off x="971600" y="1488011"/>
-            <a:ext cx="7272808" cy="4654597"/>
+            <a:off x="107504" y="836712"/>
+            <a:ext cx="8928992" cy="5378887"/>
           </a:xfrm>
           <a:prstGeom prst="rect">
             <a:avLst/>
